--- a/바이크 동아리 모집 전단지.pptx
+++ b/바이크 동아리 모집 전단지.pptx
@@ -2,7 +2,7 @@
 <file path=ppt/presentation.xml><?xml version="1.0" encoding="utf-8"?>
 <p:presentation xmlns:a="http://schemas.openxmlformats.org/drawingml/2006/main" xmlns:r="http://schemas.openxmlformats.org/officeDocument/2006/relationships" xmlns:p="http://schemas.openxmlformats.org/presentationml/2006/main" xmlns:p14="http://schemas.microsoft.com/office/powerpoint/2010/main" saveSubsetFonts="1">
   <p:sldMasterIdLst>
-    <p:sldMasterId id="2147483660" r:id="rId13"/>
+    <p:sldMasterId id="2147483685" r:id="rId13"/>
   </p:sldMasterIdLst>
   <p:notesMasterIdLst>
     <p:notesMasterId r:id="rId17"/>
@@ -1260,7 +1260,7 @@
 </file>
 
 <file path=ppt/slideLayouts/slideLayout2.xml><?xml version="1.0" encoding="utf-8"?>
-<p:sldLayout xmlns:a="http://schemas.openxmlformats.org/drawingml/2006/main" xmlns:r="http://schemas.openxmlformats.org/officeDocument/2006/relationships" xmlns:p="http://schemas.openxmlformats.org/presentationml/2006/main" type="obj" preserve="1">
+<p:sldLayout xmlns:a="http://schemas.openxmlformats.org/drawingml/2006/main" xmlns:r="http://schemas.openxmlformats.org/officeDocument/2006/relationships" xmlns:p="http://schemas.openxmlformats.org/presentationml/2006/main" xmlns:p14="http://schemas.microsoft.com/office/powerpoint/2010/main" type="obj" preserve="1">
   <p:cSld name="제목 및 내용">
     <p:spTree>
       <p:nvGrpSpPr>
@@ -1286,7 +1286,12 @@
             <p:ph type="title"/>
           </p:nvPr>
         </p:nvSpPr>
-        <p:spPr/>
+        <p:spPr>
+          <a:xfrm>
+            <a:off x="838200" y="365125"/>
+            <a:ext cx="10516235" cy="1326515"/>
+          </a:xfrm>
+        </p:spPr>
         <p:txBody>
           <a:bodyPr/>
           <a:lstStyle/>
@@ -1309,7 +1314,12 @@
             <p:ph idx="1"/>
           </p:nvPr>
         </p:nvSpPr>
-        <p:spPr/>
+        <p:spPr>
+          <a:xfrm>
+            <a:off x="838200" y="1825625"/>
+            <a:ext cx="10516235" cy="4352290"/>
+          </a:xfrm>
+        </p:spPr>
         <p:txBody>
           <a:bodyPr/>
           <a:lstStyle/>
@@ -1361,7 +1371,12 @@
             <p:ph type="dt" sz="half" idx="10"/>
           </p:nvPr>
         </p:nvSpPr>
-        <p:spPr/>
+        <p:spPr>
+          <a:xfrm>
+            <a:off x="838200" y="6356350"/>
+            <a:ext cx="2743835" cy="365760"/>
+          </a:xfrm>
+        </p:spPr>
         <p:txBody>
           <a:bodyPr/>
           <a:lstStyle/>
@@ -1384,7 +1399,12 @@
             <p:ph type="ftr" sz="quarter" idx="11"/>
           </p:nvPr>
         </p:nvSpPr>
-        <p:spPr/>
+        <p:spPr>
+          <a:xfrm>
+            <a:off x="4038600" y="6356350"/>
+            <a:ext cx="4115435" cy="365760"/>
+          </a:xfrm>
+        </p:spPr>
         <p:txBody>
           <a:bodyPr/>
           <a:lstStyle/>
@@ -1403,7 +1423,12 @@
             <p:ph type="sldNum" sz="quarter" idx="12"/>
           </p:nvPr>
         </p:nvSpPr>
-        <p:spPr/>
+        <p:spPr>
+          <a:xfrm>
+            <a:off x="8610600" y="6356350"/>
+            <a:ext cx="2743835" cy="365760"/>
+          </a:xfrm>
+        </p:spPr>
         <p:txBody>
           <a:bodyPr/>
           <a:lstStyle/>
@@ -1426,6 +1451,14 @@
   <p:clrMapOvr>
     <a:masterClrMapping/>
   </p:clrMapOvr>
+  <mc:AlternateContent xmlns:mc="http://schemas.openxmlformats.org/markup-compatibility/2006">
+    <mc:Choice xmlns:p14="http://schemas.microsoft.com/office/powerpoint/2010/main" Requires="p14">
+      <p:transition spd="slow" p14:dur="2000"/>
+    </mc:Choice>
+    <mc:Fallback>
+      <p:transition spd="slow"/>
+    </mc:Fallback>
+  </mc:AlternateContent>
 </p:sldLayout>
 </file>
 
@@ -3018,7 +3051,7 @@
 </file>
 
 <file path=ppt/slideMasters/slideMaster1.xml><?xml version="1.0" encoding="utf-8"?>
-<p:sldMaster xmlns:a="http://schemas.openxmlformats.org/drawingml/2006/main" xmlns:r="http://schemas.openxmlformats.org/officeDocument/2006/relationships" xmlns:p="http://schemas.openxmlformats.org/presentationml/2006/main">
+<p:sldMaster xmlns:a="http://schemas.openxmlformats.org/drawingml/2006/main" xmlns:r="http://schemas.openxmlformats.org/officeDocument/2006/relationships" xmlns:p="http://schemas.openxmlformats.org/presentationml/2006/main" xmlns:p14="http://schemas.microsoft.com/office/powerpoint/2010/main">
   <p:cSld>
     <p:bg>
       <p:bgRef idx="1001">
@@ -3052,7 +3085,7 @@
         <p:spPr>
           <a:xfrm>
             <a:off x="838200" y="365125"/>
-            <a:ext cx="10515600" cy="1325563"/>
+            <a:ext cx="10515600" cy="1325880"/>
           </a:xfrm>
           <a:prstGeom prst="rect">
             <a:avLst/>
@@ -3085,7 +3118,7 @@
         <p:spPr>
           <a:xfrm>
             <a:off x="838200" y="1825625"/>
-            <a:ext cx="10515600" cy="4351338"/>
+            <a:ext cx="10515600" cy="4351655"/>
           </a:xfrm>
           <a:prstGeom prst="rect">
             <a:avLst/>
@@ -3262,18 +3295,33 @@
   </p:cSld>
   <p:clrMap bg1="lt1" tx1="dk1" bg2="lt2" tx2="dk2" accent1="accent1" accent2="accent2" accent3="accent3" accent4="accent4" accent5="accent5" accent6="accent6" hlink="hlink" folHlink="folHlink"/>
   <p:sldLayoutIdLst>
-    <p:sldLayoutId id="2147483649" r:id="rId1"/>
-    <p:sldLayoutId id="2147483650" r:id="rId2"/>
-    <p:sldLayoutId id="2147483651" r:id="rId3"/>
-    <p:sldLayoutId id="2147483652" r:id="rId4"/>
-    <p:sldLayoutId id="2147483653" r:id="rId5"/>
-    <p:sldLayoutId id="2147483654" r:id="rId6"/>
-    <p:sldLayoutId id="2147483655" r:id="rId7"/>
-    <p:sldLayoutId id="2147483656" r:id="rId8"/>
-    <p:sldLayoutId id="2147483657" r:id="rId9"/>
-    <p:sldLayoutId id="2147483658" r:id="rId10"/>
-    <p:sldLayoutId id="2147483659" r:id="rId11"/>
+    <p:sldLayoutId id="2147483674" r:id="rId1"/>
+    <p:sldLayoutId id="2147483675" r:id="rId2"/>
+    <p:sldLayoutId id="2147483676" r:id="rId3"/>
+    <p:sldLayoutId id="2147483677" r:id="rId4"/>
+    <p:sldLayoutId id="2147483678" r:id="rId5"/>
+    <p:sldLayoutId id="2147483679" r:id="rId6"/>
+    <p:sldLayoutId id="2147483680" r:id="rId7"/>
+    <p:sldLayoutId id="2147483681" r:id="rId8"/>
+    <p:sldLayoutId id="2147483682" r:id="rId9"/>
+    <p:sldLayoutId id="2147483683" r:id="rId10"/>
+    <p:sldLayoutId id="2147483684" r:id="rId11"/>
   </p:sldLayoutIdLst>
+  <mc:AlternateContent xmlns:mc="http://schemas.openxmlformats.org/markup-compatibility/2006">
+    <mc:Choice xmlns:p14="http://schemas.microsoft.com/office/powerpoint/2010/main" Requires="p14">
+      <p:transition spd="slow" p14:dur="2000"/>
+    </mc:Choice>
+    <mc:Fallback>
+      <p:transition spd="slow"/>
+    </mc:Fallback>
+  </mc:AlternateContent>
+  <p:timing>
+    <p:tnLst>
+      <p:par>
+        <p:cTn id="1" dur="indefinite" restart="never" nodeType="tmRoot"/>
+      </p:par>
+    </p:tnLst>
+  </p:timing>
   <p:txStyles>
     <p:titleStyle>
       <a:lvl1pPr algn="l" defTabSz="914400" rtl="0" eaLnBrk="1" latinLnBrk="1" hangingPunct="1">
@@ -3560,6 +3608,13 @@
 <file path=ppt/slides/slide1.xml><?xml version="1.0" encoding="utf-8"?>
 <p:sld xmlns:a="http://schemas.openxmlformats.org/drawingml/2006/main" xmlns:r="http://schemas.openxmlformats.org/officeDocument/2006/relationships" xmlns:p="http://schemas.openxmlformats.org/presentationml/2006/main" xmlns:p14="http://schemas.microsoft.com/office/powerpoint/2010/main">
   <p:cSld>
+    <p:bg>
+      <p:bgPr>
+        <a:solidFill>
+          <a:srgbClr val="FFC0FF"/>
+        </a:solidFill>
+      </p:bgPr>
+    </p:bg>
     <p:spTree>
       <p:nvGrpSpPr>
         <p:cNvPr id="1" name=""/>
@@ -3586,10 +3641,13 @@
         </p:nvSpPr>
         <p:spPr>
           <a:xfrm rot="0">
-            <a:off x="1524000" y="401320"/>
-            <a:ext cx="9144635" cy="1017905"/>
+            <a:off x="1524000" y="400685"/>
+            <a:ext cx="9145270" cy="1018540"/>
           </a:xfrm>
           <a:prstGeom prst="rect"/>
+          <a:solidFill>
+            <a:srgbClr val="FFC0FF"/>
+          </a:solidFill>
         </p:spPr>
         <p:txBody>
           <a:bodyPr wrap="square" lIns="91440" tIns="45720" rIns="91440" bIns="45720" numCol="1" vert="horz" anchor="b">
@@ -3601,12 +3659,39 @@
               <a:buFontTx/>
               <a:buNone/>
             </a:pPr>
+            <a:r>
+              <a:rPr lang="ko-KR" altLang="en-US" sz="2800" b="1">
+                <a:solidFill>
+                  <a:srgbClr val="0611F2"/>
+                </a:solidFill>
+                <a:latin typeface="나눔바른펜" charset="0"/>
+                <a:ea typeface="나눔바른펜" charset="0"/>
+              </a:rPr>
+              <a:t>바이크</a:t>
+            </a:r>
+            <a:r>
+              <a:rPr lang="ko-KR" altLang="en-US" sz="2800" b="1">
+                <a:solidFill>
+                  <a:srgbClr val="0611F2"/>
+                </a:solidFill>
+                <a:latin typeface="나눔바른펜" charset="0"/>
+                <a:ea typeface="나눔바른펜" charset="0"/>
+              </a:rPr>
+              <a:t> </a:t>
+            </a:r>
             <a:r>
               <a:rPr lang="ko-KR" altLang="en-US" sz="2800">
                 <a:latin typeface="나눔바른펜" charset="0"/>
                 <a:ea typeface="나눔바른펜" charset="0"/>
               </a:rPr>
-              <a:t>바이크 배워보실 분 구합니다.</a:t>
+              <a:t>배워보</a:t>
+            </a:r>
+            <a:r>
+              <a:rPr lang="ko-KR" altLang="en-US" sz="2800">
+                <a:latin typeface="나눔바른펜" charset="0"/>
+                <a:ea typeface="나눔바른펜" charset="0"/>
+              </a:rPr>
+              <a:t>고 싶으신 부운!!!</a:t>
             </a:r>
             <a:endParaRPr lang="ko-KR" altLang="en-US" sz="2800">
               <a:latin typeface="나눔바른펜" charset="0"/>
@@ -3627,14 +3712,14 @@
         </p:nvSpPr>
         <p:spPr>
           <a:xfrm rot="0">
-            <a:off x="1524000" y="2026920"/>
-            <a:ext cx="9144635" cy="3231515"/>
+            <a:off x="1521460" y="1880235"/>
+            <a:ext cx="9145905" cy="4646930"/>
           </a:xfrm>
           <a:prstGeom prst="rect"/>
         </p:spPr>
         <p:txBody>
           <a:bodyPr wrap="square" lIns="91440" tIns="45720" rIns="91440" bIns="45720" numCol="1" vert="horz" anchor="t">
-            <a:normAutofit fontScale="85000" lnSpcReduction="0"/>
+            <a:normAutofit fontScale="100000" lnSpcReduction="0"/>
           </a:bodyPr>
           <a:lstStyle/>
           <a:p>
@@ -3643,13 +3728,13 @@
               <a:buNone/>
             </a:pPr>
             <a:r>
-              <a:rPr lang="ko-KR" altLang="en-US">
+              <a:rPr lang="ko-KR" altLang="en-US" sz="2400">
                 <a:latin typeface="나눔바른펜" charset="0"/>
                 <a:ea typeface="나눔바른펜" charset="0"/>
               </a:rPr>
               <a:t>타라고는 못 하겠습니다.</a:t>
             </a:r>
-            <a:endParaRPr lang="ko-KR" altLang="en-US">
+            <a:endParaRPr lang="ko-KR" altLang="en-US" sz="2400">
               <a:latin typeface="나눔바른펜" charset="0"/>
               <a:ea typeface="나눔바른펜" charset="0"/>
             </a:endParaRPr>
@@ -3660,13 +3745,13 @@
               <a:buNone/>
             </a:pPr>
             <a:r>
-              <a:rPr lang="ko-KR" altLang="en-US">
+              <a:rPr lang="ko-KR" altLang="en-US" sz="2400">
                 <a:latin typeface="나눔바른펜" charset="0"/>
                 <a:ea typeface="나눔바른펜" charset="0"/>
               </a:rPr>
               <a:t>자격증 정도는 딸 수 있잖아요?</a:t>
             </a:r>
-            <a:endParaRPr lang="ko-KR" altLang="en-US">
+            <a:endParaRPr lang="ko-KR" altLang="en-US" sz="2400">
               <a:latin typeface="나눔바른펜" charset="0"/>
               <a:ea typeface="나눔바른펜" charset="0"/>
             </a:endParaRPr>
@@ -3677,13 +3762,13 @@
               <a:buNone/>
             </a:pPr>
             <a:r>
-              <a:rPr lang="ko-KR" altLang="en-US">
+              <a:rPr lang="ko-KR" altLang="en-US" sz="2400">
                 <a:latin typeface="나눔바른펜" charset="0"/>
                 <a:ea typeface="나눔바른펜" charset="0"/>
               </a:rPr>
               <a:t>1. 면허 따보고 싶다.</a:t>
             </a:r>
-            <a:endParaRPr lang="ko-KR" altLang="en-US">
+            <a:endParaRPr lang="ko-KR" altLang="en-US" sz="2400">
               <a:latin typeface="나눔바른펜" charset="0"/>
               <a:ea typeface="나눔바른펜" charset="0"/>
             </a:endParaRPr>
@@ -3694,13 +3779,13 @@
               <a:buNone/>
             </a:pPr>
             <a:r>
-              <a:rPr lang="ko-KR" altLang="en-US">
+              <a:rPr lang="ko-KR" altLang="en-US" sz="2400">
                 <a:latin typeface="나눔바른펜" charset="0"/>
                 <a:ea typeface="나눔바른펜" charset="0"/>
               </a:rPr>
               <a:t>2. 그냥 타보고 싶다.</a:t>
             </a:r>
-            <a:endParaRPr lang="ko-KR" altLang="en-US">
+            <a:endParaRPr lang="ko-KR" altLang="en-US" sz="2400">
               <a:latin typeface="나눔바른펜" charset="0"/>
               <a:ea typeface="나눔바른펜" charset="0"/>
             </a:endParaRPr>
@@ -3711,13 +3796,13 @@
               <a:buNone/>
             </a:pPr>
             <a:r>
-              <a:rPr lang="ko-KR" altLang="en-US">
+              <a:rPr lang="ko-KR" altLang="en-US" sz="2400">
                 <a:latin typeface="나눔바른펜" charset="0"/>
                 <a:ea typeface="나눔바른펜" charset="0"/>
               </a:rPr>
               <a:t>3. 왜 타는지 궁금하다.</a:t>
             </a:r>
-            <a:endParaRPr lang="ko-KR" altLang="en-US">
+            <a:endParaRPr lang="ko-KR" altLang="en-US" sz="2400">
               <a:latin typeface="나눔바른펜" charset="0"/>
               <a:ea typeface="나눔바른펜" charset="0"/>
             </a:endParaRPr>
@@ -3728,13 +3813,13 @@
               <a:buNone/>
             </a:pPr>
             <a:r>
-              <a:rPr lang="ko-KR" altLang="en-US">
+              <a:rPr lang="ko-KR" altLang="en-US" sz="2400">
                 <a:latin typeface="나눔바른펜" charset="0"/>
                 <a:ea typeface="나눔바른펜" charset="0"/>
               </a:rPr>
               <a:t>4. 홍익대 바이크 수장이랑 친해지고 싶다</a:t>
             </a:r>
-            <a:endParaRPr lang="ko-KR" altLang="en-US">
+            <a:endParaRPr lang="ko-KR" altLang="en-US" sz="2400">
               <a:latin typeface="나눔바른펜" charset="0"/>
               <a:ea typeface="나눔바른펜" charset="0"/>
             </a:endParaRPr>
@@ -3745,13 +3830,27 @@
               <a:buNone/>
             </a:pPr>
             <a:r>
-              <a:rPr lang="ko-KR" altLang="en-US">
+              <a:rPr lang="ko-KR" altLang="en-US" sz="2400">
                 <a:latin typeface="나눔바른펜" charset="0"/>
                 <a:ea typeface="나눔바른펜" charset="0"/>
               </a:rPr>
-              <a:t>바이크 동아리 만들 각도 재고 있는데 관심 있으신 분들도 연락 주세요!</a:t>
-            </a:r>
-            <a:endParaRPr lang="ko-KR" altLang="en-US">
+              <a:t>5. 인</a:t>
+            </a:r>
+            <a:r>
+              <a:rPr lang="ko-KR" altLang="en-US" sz="2400">
+                <a:latin typeface="나눔바른펜" charset="0"/>
+                <a:ea typeface="나눔바른펜" charset="0"/>
+              </a:rPr>
+              <a:t>(아)</a:t>
+            </a:r>
+            <a:r>
+              <a:rPr lang="ko-KR" altLang="en-US" sz="2400">
+                <a:latin typeface="나눔바른펜" charset="0"/>
+                <a:ea typeface="나눔바른펜" charset="0"/>
+              </a:rPr>
+              <a:t>싸되고 싶다.</a:t>
+            </a:r>
+            <a:endParaRPr lang="ko-KR" altLang="en-US" sz="2400">
               <a:latin typeface="나눔바른펜" charset="0"/>
               <a:ea typeface="나눔바른펜" charset="0"/>
             </a:endParaRPr>
@@ -3762,19 +3861,153 @@
               <a:buNone/>
             </a:pPr>
             <a:r>
-              <a:rPr lang="ko-KR" altLang="en-US">
+              <a:rPr lang="ko-KR" altLang="en-US" sz="2400">
+                <a:latin typeface="나눔바른펜" charset="0"/>
+                <a:ea typeface="나눔바른펜" charset="0"/>
+              </a:rPr>
+              <a:t>바이크 동아리 만드는데 관심 있으신 분들도 연락 주세요!</a:t>
+            </a:r>
+            <a:endParaRPr lang="ko-KR" altLang="en-US" sz="2400">
+              <a:latin typeface="나눔바른펜" charset="0"/>
+              <a:ea typeface="나눔바른펜" charset="0"/>
+            </a:endParaRPr>
+          </a:p>
+          <a:p>
+            <a:pPr marL="0" indent="0" latinLnBrk="0">
+              <a:buFontTx/>
+              <a:buNone/>
+            </a:pPr>
+            <a:r>
+              <a:rPr lang="ko-KR" altLang="en-US" sz="2400">
                 <a:latin typeface="나눔바른펜" charset="0"/>
                 <a:ea typeface="나눔바른펜" charset="0"/>
               </a:rPr>
               <a:t>연락주십쇼 ( ^-^ 7  찡긋)</a:t>
             </a:r>
-            <a:endParaRPr lang="ko-KR" altLang="en-US">
+            <a:endParaRPr lang="ko-KR" altLang="en-US" sz="2400">
               <a:latin typeface="나눔바른펜" charset="0"/>
               <a:ea typeface="나눔바른펜" charset="0"/>
             </a:endParaRPr>
           </a:p>
-        </p:txBody>
-      </p:sp>
+          <a:p>
+            <a:pPr marL="0" indent="0" latinLnBrk="0">
+              <a:buFontTx/>
+              <a:buNone/>
+            </a:pPr>
+            <a:r>
+              <a:rPr lang="ko-KR" altLang="en-US" sz="1200">
+                <a:latin typeface="나눔바른펜" charset="0"/>
+                <a:ea typeface="나눔바른펜" charset="0"/>
+              </a:rPr>
+              <a:t>(ppt 촌스러운 거는 용서를 구합니다)</a:t>
+            </a:r>
+            <a:endParaRPr lang="ko-KR" altLang="en-US" sz="1200">
+              <a:latin typeface="나눔바른펜" charset="0"/>
+              <a:ea typeface="나눔바른펜" charset="0"/>
+            </a:endParaRPr>
+          </a:p>
+        </p:txBody>
+      </p:sp>
+      <p:graphicFrame>
+        <p:nvGraphicFramePr>
+          <p:cNvPr id="4" name="표 31"/>
+          <p:cNvGraphicFramePr>
+            <a:graphicFrameLocks noGrp="1"/>
+          </p:cNvGraphicFramePr>
+          <p:nvPr/>
+        </p:nvGraphicFramePr>
+        <p:xfrm>
+          <a:off x="8406130" y="6161405"/>
+          <a:ext cx="3529330" cy="370840"/>
+        </p:xfrm>
+        <a:graphic>
+          <a:graphicData uri="http://schemas.openxmlformats.org/drawingml/2006/table">
+            <a:tbl>
+              <a:tblPr firstRow="1" bandRow="1">
+                <a:tableStyleId>{5C22544A-7EE6-4342-B048-85BDC9FD1C3A}</a:tableStyleId>
+              </a:tblPr>
+              <a:tblGrid>
+                <a:gridCol w="3529330"/>
+              </a:tblGrid>
+              <a:tr h="370840">
+                <a:tc>
+                  <a:txBody>
+                    <a:bodyPr/>
+                    <a:lstStyle/>
+                    <a:p>
+                      <a:pPr marL="0" indent="0" hangingPunct="1"/>
+                      <a:r>
+                        <a:rPr lang="ko-KR" sz="1800" kern="1200" i="0" b="1">
+                          <a:solidFill>
+                            <a:schemeClr val="tx1"/>
+                          </a:solidFill>
+                          <a:latin typeface="나눔바른펜" charset="0"/>
+                          <a:ea typeface="나눔바른펜" charset="0"/>
+                        </a:rPr>
+                        <a:t>쪽지,댓글 주시면 카톡 ID 보내드려요^^7</a:t>
+                      </a:r>
+                      <a:endParaRPr lang="ko-KR" altLang="en-US" sz="1800" kern="1200" i="0" b="1">
+                        <a:solidFill>
+                          <a:schemeClr val="tx1"/>
+                        </a:solidFill>
+                        <a:latin typeface="나눔바른펜" charset="0"/>
+                        <a:ea typeface="나눔바른펜" charset="0"/>
+                      </a:endParaRPr>
+                    </a:p>
+                  </a:txBody>
+                  <a:tcPr marL="90170" marR="90170" marT="46990" marB="46990" anchor="t">
+                    <a:lnL w="0" cap="flat" cmpd="sng" algn="ctr">
+                      <a:noFill/>
+                      <a:prstDash/>
+                      <a:round/>
+                      <a:headEnd type="none" w="med" len="med"/>
+                      <a:tailEnd type="none" w="med" len="med"/>
+                    </a:lnL>
+                    <a:lnR w="0" cap="flat" cmpd="sng" algn="ctr">
+                      <a:noFill/>
+                      <a:prstDash/>
+                      <a:round/>
+                      <a:headEnd type="none" w="med" len="med"/>
+                      <a:tailEnd type="none" w="med" len="med"/>
+                    </a:lnR>
+                    <a:lnT w="0" cap="flat" cmpd="sng" algn="ctr">
+                      <a:noFill/>
+                      <a:prstDash/>
+                      <a:round/>
+                      <a:headEnd type="none" w="med" len="med"/>
+                      <a:tailEnd type="none" w="med" len="med"/>
+                    </a:lnT>
+                    <a:lnB w="0" cap="flat" cmpd="sng" algn="ctr">
+                      <a:noFill/>
+                      <a:prstDash/>
+                      <a:round/>
+                      <a:headEnd type="none" w="med" len="med"/>
+                      <a:tailEnd type="none" w="med" len="med"/>
+                    </a:lnB>
+                    <a:lnTlToBr w="0" cap="flat" cmpd="sng" algn="ctr">
+                      <a:noFill/>
+                      <a:prstDash/>
+                      <a:round/>
+                      <a:headEnd type="none" w="med" len="med"/>
+                      <a:tailEnd type="none" w="med" len="med"/>
+                    </a:lnTlToBr>
+                    <a:lnBlToTr w="0" cap="flat" cmpd="sng" algn="ctr">
+                      <a:noFill/>
+                      <a:prstDash/>
+                      <a:round/>
+                      <a:headEnd type="none" w="med" len="med"/>
+                      <a:tailEnd type="none" w="med" len="med"/>
+                    </a:lnBlToTr>
+                    <a:solidFill>
+                      <a:srgbClr val="FFC0FF"/>
+                    </a:solidFill>
+                  </a:tcPr>
+                </a:tc>
+              </a:tr>
+            </a:tbl>
+          </a:graphicData>
+        </a:graphic>
+      </p:graphicFrame>
     </p:spTree>
     <p:extLst>
       <p:ext uri="{BB962C8B-B14F-4D97-AF65-F5344CB8AC3E}">
